--- a/Task 2 vib is.pptx
+++ b/Task 2 vib is.pptx
@@ -106,6 +106,11 @@
       </a:defRPr>
     </a:lvl9pPr>
   </p:defaultTextStyle>
+  <p:extLst>
+    <p:ext uri="{EFAFB233-063F-42B5-8137-9DF3F51BA10A}">
+      <p15:sldGuideLst xmlns:p15="http://schemas.microsoft.com/office/powerpoint/2012/main"/>
+    </p:ext>
+  </p:extLst>
 </p:presentation>
 </file>
 
@@ -3282,25 +3287,39 @@
         </p:spPr>
         <p:txBody>
           <a:bodyPr>
-            <a:normAutofit lnSpcReduction="10000"/>
+            <a:normAutofit fontScale="92500" lnSpcReduction="10000"/>
           </a:bodyPr>
           <a:lstStyle/>
           <a:p>
             <a:pPr marL="0" indent="0">
               <a:buNone/>
             </a:pPr>
-            <a:r>
-              <a:rPr lang="en-US" sz="2000" dirty="0" smtClean="0"/>
-              <a:t>Impact : Impact of the critical vulnerability :</a:t>
-            </a:r>
+            <a:endParaRPr lang="en-US" sz="2000" b="1" dirty="0" smtClean="0"/>
           </a:p>
           <a:p>
             <a:pPr marL="0" indent="0">
               <a:buNone/>
             </a:pPr>
             <a:r>
-              <a:rPr lang="en-US" sz="2000" dirty="0" smtClean="0"/>
-              <a:t>             </a:t>
+              <a:rPr lang="en-US" sz="2000" b="1" dirty="0" smtClean="0"/>
+              <a:t>Impact </a:t>
+            </a:r>
+            <a:r>
+              <a:rPr lang="en-US" sz="2000" dirty="0" smtClean="0"/>
+              <a:t>: Impact of the critical vulnerability :</a:t>
+            </a:r>
+          </a:p>
+          <a:p>
+            <a:pPr marL="0" indent="0">
+              <a:buNone/>
+            </a:pPr>
+            <a:r>
+              <a:rPr lang="en-US" sz="2000" dirty="0" smtClean="0"/>
+              <a:t>        </a:t>
+            </a:r>
+            <a:r>
+              <a:rPr lang="en-US" sz="2000" dirty="0" smtClean="0"/>
+              <a:t> </a:t>
             </a:r>
             <a:r>
               <a:rPr lang="en-US" sz="1600" dirty="0" smtClean="0"/>
@@ -3385,8 +3404,12 @@
               <a:buNone/>
             </a:pPr>
             <a:r>
-              <a:rPr lang="en-US" sz="2000" dirty="0" smtClean="0"/>
-              <a:t>Remedy : Remedy for the critical vulnerability :</a:t>
+              <a:rPr lang="en-US" sz="2000" b="1" dirty="0" smtClean="0"/>
+              <a:t>Remedy </a:t>
+            </a:r>
+            <a:r>
+              <a:rPr lang="en-US" sz="2000" dirty="0" smtClean="0"/>
+              <a:t>: Remedy for the critical vulnerability :</a:t>
             </a:r>
           </a:p>
           <a:p>
@@ -3399,7 +3422,11 @@
             </a:r>
             <a:r>
               <a:rPr lang="en-US" sz="2000" dirty="0" smtClean="0"/>
-              <a:t>           </a:t>
+              <a:t>      </a:t>
+            </a:r>
+            <a:r>
+              <a:rPr lang="en-US" sz="2000" dirty="0" smtClean="0"/>
+              <a:t>  </a:t>
             </a:r>
             <a:r>
               <a:rPr lang="en-US" sz="1600" dirty="0" smtClean="0">
@@ -3444,7 +3471,23 @@
                   <a:prstClr val="black"/>
                 </a:solidFill>
               </a:rPr>
-              <a:t>             The simple remedy for Out of date vulnerabilities are UPGRADING the software to the latest versions .</a:t>
+              <a:t>             </a:t>
+            </a:r>
+            <a:r>
+              <a:rPr lang="en-US" sz="1600" dirty="0" smtClean="0">
+                <a:solidFill>
+                  <a:prstClr val="black"/>
+                </a:solidFill>
+              </a:rPr>
+              <a:t>  The </a:t>
+            </a:r>
+            <a:r>
+              <a:rPr lang="en-US" sz="1600" dirty="0" smtClean="0">
+                <a:solidFill>
+                  <a:prstClr val="black"/>
+                </a:solidFill>
+              </a:rPr>
+              <a:t>simple remedy for Out of date vulnerabilities are UPGRADING the software to the latest versions .</a:t>
             </a:r>
             <a:br>
               <a:rPr lang="en-US" sz="1600" dirty="0" smtClean="0">
@@ -3459,7 +3502,23 @@
                   <a:prstClr val="black"/>
                 </a:solidFill>
               </a:rPr>
-              <a:t>               Upgrading the operating systems .</a:t>
+              <a:t>              </a:t>
+            </a:r>
+            <a:r>
+              <a:rPr lang="en-US" sz="1600" dirty="0" smtClean="0">
+                <a:solidFill>
+                  <a:prstClr val="black"/>
+                </a:solidFill>
+              </a:rPr>
+              <a:t>  </a:t>
+            </a:r>
+            <a:r>
+              <a:rPr lang="en-US" sz="1600" dirty="0" smtClean="0">
+                <a:solidFill>
+                  <a:prstClr val="black"/>
+                </a:solidFill>
+              </a:rPr>
+              <a:t>Upgrading the operating systems .</a:t>
             </a:r>
             <a:br>
               <a:rPr lang="en-US" sz="1600" dirty="0" smtClean="0">
@@ -3474,7 +3533,23 @@
                   <a:prstClr val="black"/>
                 </a:solidFill>
               </a:rPr>
-              <a:t>               There are many links for upgrading out of date vulnerabilities with tomcat vulnerabilities too.</a:t>
+              <a:t>              </a:t>
+            </a:r>
+            <a:r>
+              <a:rPr lang="en-US" sz="1600" dirty="0" smtClean="0">
+                <a:solidFill>
+                  <a:prstClr val="black"/>
+                </a:solidFill>
+              </a:rPr>
+              <a:t>  </a:t>
+            </a:r>
+            <a:r>
+              <a:rPr lang="en-US" sz="1600" dirty="0" smtClean="0">
+                <a:solidFill>
+                  <a:prstClr val="black"/>
+                </a:solidFill>
+              </a:rPr>
+              <a:t>There are many links for upgrading out of date vulnerabilities with tomcat vulnerabilities too.</a:t>
             </a:r>
             <a:r>
               <a:rPr lang="en-US" sz="2000" dirty="0" smtClean="0"/>
@@ -3492,13 +3567,23 @@
             </a:br>
             <a:r>
               <a:rPr lang="en-US" sz="2000" dirty="0" smtClean="0"/>
-              <a:t>             </a:t>
+              <a:t>            </a:t>
+            </a:r>
+            <a:r>
+              <a:rPr lang="en-US" sz="2000" dirty="0" smtClean="0"/>
+              <a:t>     </a:t>
             </a:r>
             <a:r>
               <a:rPr lang="en-US" sz="1600" dirty="0" smtClean="0">
                 <a:hlinkClick r:id="rId2"/>
               </a:rPr>
-              <a:t>https://tomcat.apache.org/security-8.html#Apache_Tomcat_8.x_vulnerabilities</a:t>
+              <a:t>https</a:t>
+            </a:r>
+            <a:r>
+              <a:rPr lang="en-US" sz="1600" dirty="0" smtClean="0">
+                <a:hlinkClick r:id="rId2"/>
+              </a:rPr>
+              <a:t>://tomcat.apache.org/security-8.html#Apache_Tomcat_8.x_vulnerabilities</a:t>
             </a:r>
             <a:r>
               <a:rPr lang="en-US" sz="1600" dirty="0" smtClean="0"/>
@@ -3533,7 +3618,7 @@
                   <a:prstClr val="black"/>
                 </a:solidFill>
               </a:rPr>
-              <a:t>  </a:t>
+              <a:t>       </a:t>
             </a:r>
             <a:r>
               <a:rPr lang="en-US" sz="1600" dirty="0" smtClean="0">
@@ -3583,7 +3668,15 @@
                   <a:prstClr val="black"/>
                 </a:solidFill>
               </a:rPr>
-              <a:t>                </a:t>
+              <a:t>               </a:t>
+            </a:r>
+            <a:r>
+              <a:rPr lang="en-US" sz="1600" dirty="0" smtClean="0">
+                <a:solidFill>
+                  <a:prstClr val="black"/>
+                </a:solidFill>
+              </a:rPr>
+              <a:t>      </a:t>
             </a:r>
             <a:r>
               <a:rPr lang="en-US" sz="1600" dirty="0" smtClean="0">
@@ -3612,21 +3705,6 @@
               </a:rPr>
               <a:t>tomcat.apache.org/security-8.html#Fixed_in_Apache_Tomcat_8.5.68</a:t>
             </a:r>
-            <a:r>
-              <a:rPr lang="en-US" sz="1600" dirty="0" smtClean="0">
-                <a:solidFill>
-                  <a:prstClr val="black"/>
-                </a:solidFill>
-              </a:rPr>
-              <a:t> </a:t>
-            </a:r>
-            <a:br>
-              <a:rPr lang="en-US" sz="1600" dirty="0" smtClean="0">
-                <a:solidFill>
-                  <a:prstClr val="black"/>
-                </a:solidFill>
-              </a:rPr>
-            </a:br>
             <a:endParaRPr lang="en-US" sz="2000" dirty="0" smtClean="0"/>
           </a:p>
         </p:txBody>
@@ -3674,7 +3752,7 @@
         <p:spPr>
           <a:xfrm>
             <a:off x="567744" y="0"/>
-            <a:ext cx="10515600" cy="299770"/>
+            <a:ext cx="10515600" cy="123893"/>
           </a:xfrm>
         </p:spPr>
         <p:txBody>
